--- a/documents/Présentation.pptx
+++ b/documents/Présentation.pptx
@@ -43,9 +43,11 @@
     <p:sldId id="292" r:id="rId37"/>
     <p:sldId id="289" r:id="rId38"/>
     <p:sldId id="294" r:id="rId39"/>
-    <p:sldId id="293" r:id="rId40"/>
-    <p:sldId id="295" r:id="rId41"/>
-    <p:sldId id="296" r:id="rId42"/>
+    <p:sldId id="297" r:id="rId40"/>
+    <p:sldId id="293" r:id="rId41"/>
+    <p:sldId id="295" r:id="rId42"/>
+    <p:sldId id="298" r:id="rId43"/>
+    <p:sldId id="296" r:id="rId44"/>
   </p:sldIdLst>
   <p:sldSz cx="12192000" cy="6858000"/>
   <p:notesSz cx="6858000" cy="9144000"/>
@@ -144,6 +146,11 @@
       </a:defRPr>
     </a:lvl9pPr>
   </p:defaultTextStyle>
+  <p:extLst>
+    <p:ext uri="{EFAFB233-063F-42B5-8137-9DF3F51BA10A}">
+      <p15:sldGuideLst xmlns:p15="http://schemas.microsoft.com/office/powerpoint/2012/main"/>
+    </p:ext>
+  </p:extLst>
 </p:presentation>
 </file>
 
@@ -286,7 +293,7 @@
           <a:p>
             <a:fld id="{48A87A34-81AB-432B-8DAE-1953F412C126}" type="datetimeFigureOut">
               <a:rPr lang="en-US" dirty="0"/>
-              <a:t>1/10/2017</a:t>
+              <a:t>1/11/2017</a:t>
             </a:fld>
             <a:endParaRPr lang="en-US" dirty="0"/>
           </a:p>
@@ -492,7 +499,7 @@
           <a:p>
             <a:fld id="{48A87A34-81AB-432B-8DAE-1953F412C126}" type="datetimeFigureOut">
               <a:rPr lang="en-US" dirty="0"/>
-              <a:t>1/10/2017</a:t>
+              <a:t>1/11/2017</a:t>
             </a:fld>
             <a:endParaRPr lang="en-US" dirty="0"/>
           </a:p>
@@ -702,7 +709,7 @@
           <a:p>
             <a:fld id="{48A87A34-81AB-432B-8DAE-1953F412C126}" type="datetimeFigureOut">
               <a:rPr lang="en-US" dirty="0"/>
-              <a:t>1/10/2017</a:t>
+              <a:t>1/11/2017</a:t>
             </a:fld>
             <a:endParaRPr lang="en-US" dirty="0"/>
           </a:p>
@@ -898,7 +905,7 @@
           <a:p>
             <a:fld id="{48A87A34-81AB-432B-8DAE-1953F412C126}" type="datetimeFigureOut">
               <a:rPr lang="en-US" dirty="0"/>
-              <a:t>1/10/2017</a:t>
+              <a:t>1/11/2017</a:t>
             </a:fld>
             <a:endParaRPr lang="en-US" dirty="0"/>
           </a:p>
@@ -1172,7 +1179,7 @@
           <a:p>
             <a:fld id="{48A87A34-81AB-432B-8DAE-1953F412C126}" type="datetimeFigureOut">
               <a:rPr lang="en-US" dirty="0"/>
-              <a:t>1/10/2017</a:t>
+              <a:t>1/11/2017</a:t>
             </a:fld>
             <a:endParaRPr lang="en-US" dirty="0"/>
           </a:p>
@@ -1435,7 +1442,7 @@
           <a:p>
             <a:fld id="{48A87A34-81AB-432B-8DAE-1953F412C126}" type="datetimeFigureOut">
               <a:rPr lang="en-US" dirty="0"/>
-              <a:t>1/10/2017</a:t>
+              <a:t>1/11/2017</a:t>
             </a:fld>
             <a:endParaRPr lang="en-US" dirty="0"/>
           </a:p>
@@ -1846,7 +1853,7 @@
           <a:p>
             <a:fld id="{48A87A34-81AB-432B-8DAE-1953F412C126}" type="datetimeFigureOut">
               <a:rPr lang="en-US" dirty="0"/>
-              <a:t>1/10/2017</a:t>
+              <a:t>1/11/2017</a:t>
             </a:fld>
             <a:endParaRPr lang="en-US" dirty="0"/>
           </a:p>
@@ -1990,7 +1997,7 @@
           <a:p>
             <a:fld id="{48A87A34-81AB-432B-8DAE-1953F412C126}" type="datetimeFigureOut">
               <a:rPr lang="en-US" dirty="0"/>
-              <a:t>1/10/2017</a:t>
+              <a:t>1/11/2017</a:t>
             </a:fld>
             <a:endParaRPr lang="en-US" dirty="0"/>
           </a:p>
@@ -2111,7 +2118,7 @@
           <a:p>
             <a:fld id="{48A87A34-81AB-432B-8DAE-1953F412C126}" type="datetimeFigureOut">
               <a:rPr lang="en-US" dirty="0"/>
-              <a:t>1/10/2017</a:t>
+              <a:t>1/11/2017</a:t>
             </a:fld>
             <a:endParaRPr lang="en-US" dirty="0"/>
           </a:p>
@@ -2357,7 +2364,7 @@
           <a:p>
             <a:fld id="{48A87A34-81AB-432B-8DAE-1953F412C126}" type="datetimeFigureOut">
               <a:rPr lang="en-US" dirty="0"/>
-              <a:t>1/10/2017</a:t>
+              <a:t>1/11/2017</a:t>
             </a:fld>
             <a:endParaRPr lang="en-US" dirty="0"/>
           </a:p>
@@ -2798,7 +2805,7 @@
             <a:fld id="{48A87A34-81AB-432B-8DAE-1953F412C126}" type="datetimeFigureOut">
               <a:rPr lang="en-US" dirty="0"/>
               <a:pPr/>
-              <a:t>1/10/2017</a:t>
+              <a:t>1/11/2017</a:t>
             </a:fld>
             <a:endParaRPr lang="en-US" dirty="0"/>
           </a:p>
@@ -3120,7 +3127,7 @@
             <a:fld id="{48A87A34-81AB-432B-8DAE-1953F412C126}" type="datetimeFigureOut">
               <a:rPr lang="en-US" dirty="0"/>
               <a:pPr/>
-              <a:t>1/10/2017</a:t>
+              <a:t>1/11/2017</a:t>
             </a:fld>
             <a:endParaRPr lang="en-US" dirty="0"/>
           </a:p>
@@ -3240,6 +3247,56 @@
           </a:fontRef>
         </p:style>
       </p:cxnSp>
+      <p:pic>
+        <p:nvPicPr>
+          <p:cNvPr id="9" name="Image 8"/>
+          <p:cNvPicPr>
+            <a:picLocks noChangeAspect="1"/>
+          </p:cNvPicPr>
+          <p:nvPr userDrawn="1"/>
+        </p:nvPicPr>
+        <p:blipFill>
+          <a:blip r:embed="rId14"/>
+          <a:stretch>
+            <a:fillRect/>
+          </a:stretch>
+        </p:blipFill>
+        <p:spPr>
+          <a:xfrm>
+            <a:off x="10917065" y="5737234"/>
+            <a:ext cx="1170432" cy="388280"/>
+          </a:xfrm>
+          <a:prstGeom prst="roundRect">
+            <a:avLst>
+              <a:gd name="adj" fmla="val 4167"/>
+            </a:avLst>
+          </a:prstGeom>
+          <a:solidFill>
+            <a:srgbClr val="FFFFFF"/>
+          </a:solidFill>
+          <a:ln w="76200" cap="sq">
+            <a:solidFill>
+              <a:srgbClr val="EAEAEA"/>
+            </a:solidFill>
+            <a:miter lim="800000"/>
+          </a:ln>
+          <a:effectLst>
+            <a:reflection blurRad="12700" stA="33000" endPos="28000" dist="5000" dir="5400000" sy="-100000" algn="bl" rotWithShape="0"/>
+          </a:effectLst>
+          <a:scene3d>
+            <a:camera prst="orthographicFront"/>
+            <a:lightRig rig="threePt" dir="t">
+              <a:rot lat="0" lon="0" rev="2700000"/>
+            </a:lightRig>
+          </a:scene3d>
+          <a:sp3d contourW="6350">
+            <a:bevelT h="38100"/>
+            <a:contourClr>
+              <a:srgbClr val="C0C0C0"/>
+            </a:contourClr>
+          </a:sp3d>
+        </p:spPr>
+      </p:pic>
     </p:spTree>
   </p:cSld>
   <p:clrMap bg1="lt1" tx1="dk1" bg2="lt2" tx2="dk2" accent1="accent1" accent2="accent2" accent3="accent3" accent4="accent4" accent5="accent5" accent6="accent6" hlink="hlink" folHlink="folHlink"/>
@@ -3654,7 +3711,7 @@
         </p:nvSpPr>
         <p:spPr>
           <a:xfrm>
-            <a:off x="8269357" y="5711687"/>
+            <a:off x="0" y="5724939"/>
             <a:ext cx="4439478" cy="369332"/>
           </a:xfrm>
           <a:prstGeom prst="rect">
@@ -3702,7 +3759,7 @@
     <a:masterClrMapping/>
   </p:clrMapOvr>
   <p:transition spd="slow">
-    <p:wipe/>
+    <p:push dir="u"/>
   </p:transition>
 </p:sld>
 </file>
@@ -3779,8 +3836,8 @@
   <p:clrMapOvr>
     <a:masterClrMapping/>
   </p:clrMapOvr>
-  <p:transition spd="slow">
-    <p:cover/>
+  <p:transition spd="med">
+    <p:pull/>
   </p:transition>
 </p:sld>
 </file>
@@ -3857,8 +3914,8 @@
   <p:clrMapOvr>
     <a:masterClrMapping/>
   </p:clrMapOvr>
-  <p:transition spd="slow">
-    <p:cover/>
+  <p:transition spd="med">
+    <p:pull/>
   </p:transition>
 </p:sld>
 </file>
@@ -3935,8 +3992,8 @@
   <p:clrMapOvr>
     <a:masterClrMapping/>
   </p:clrMapOvr>
-  <p:transition spd="slow">
-    <p:cover/>
+  <p:transition spd="med">
+    <p:pull/>
   </p:transition>
 </p:sld>
 </file>
@@ -4013,8 +4070,8 @@
   <p:clrMapOvr>
     <a:masterClrMapping/>
   </p:clrMapOvr>
-  <p:transition spd="slow">
-    <p:cover/>
+  <p:transition spd="med">
+    <p:pull/>
   </p:transition>
 </p:sld>
 </file>
@@ -4090,8 +4147,8 @@
   <p:clrMapOvr>
     <a:masterClrMapping/>
   </p:clrMapOvr>
-  <p:transition spd="slow">
-    <p:cover/>
+  <p:transition spd="med">
+    <p:pull/>
   </p:transition>
 </p:sld>
 </file>
@@ -4168,8 +4225,8 @@
   <p:clrMapOvr>
     <a:masterClrMapping/>
   </p:clrMapOvr>
-  <p:transition spd="slow">
-    <p:cover/>
+  <p:transition spd="med">
+    <p:pull/>
   </p:transition>
 </p:sld>
 </file>
@@ -4246,8 +4303,8 @@
   <p:clrMapOvr>
     <a:masterClrMapping/>
   </p:clrMapOvr>
-  <p:transition spd="slow">
-    <p:cover/>
+  <p:transition spd="med">
+    <p:pull/>
   </p:transition>
 </p:sld>
 </file>
@@ -4324,8 +4381,8 @@
   <p:clrMapOvr>
     <a:masterClrMapping/>
   </p:clrMapOvr>
-  <p:transition spd="slow">
-    <p:cover/>
+  <p:transition spd="med">
+    <p:pull/>
   </p:transition>
 </p:sld>
 </file>
@@ -4401,8 +4458,8 @@
   <p:clrMapOvr>
     <a:masterClrMapping/>
   </p:clrMapOvr>
-  <p:transition spd="slow">
-    <p:cover/>
+  <p:transition spd="med">
+    <p:pull/>
   </p:transition>
 </p:sld>
 </file>
@@ -4479,8 +4536,8 @@
   <p:clrMapOvr>
     <a:masterClrMapping/>
   </p:clrMapOvr>
-  <p:transition spd="slow">
-    <p:cover/>
+  <p:transition spd="med">
+    <p:pull/>
   </p:transition>
 </p:sld>
 </file>
@@ -4708,8 +4765,8 @@
   <p:clrMapOvr>
     <a:masterClrMapping/>
   </p:clrMapOvr>
-  <p:transition spd="slow">
-    <p:cover/>
+  <p:transition spd="med">
+    <p:pull/>
   </p:transition>
 </p:sld>
 </file>
@@ -4786,8 +4843,8 @@
   <p:clrMapOvr>
     <a:masterClrMapping/>
   </p:clrMapOvr>
-  <p:transition spd="slow">
-    <p:cover/>
+  <p:transition spd="med">
+    <p:pull/>
   </p:transition>
 </p:sld>
 </file>
@@ -4864,8 +4921,8 @@
   <p:clrMapOvr>
     <a:masterClrMapping/>
   </p:clrMapOvr>
-  <p:transition spd="slow">
-    <p:cover/>
+  <p:transition spd="med">
+    <p:pull/>
   </p:transition>
 </p:sld>
 </file>
@@ -4942,8 +4999,8 @@
   <p:clrMapOvr>
     <a:masterClrMapping/>
   </p:clrMapOvr>
-  <p:transition spd="slow">
-    <p:cover/>
+  <p:transition spd="med">
+    <p:pull/>
   </p:transition>
 </p:sld>
 </file>
@@ -5020,8 +5077,8 @@
   <p:clrMapOvr>
     <a:masterClrMapping/>
   </p:clrMapOvr>
-  <p:transition spd="slow">
-    <p:cover/>
+  <p:transition spd="med">
+    <p:pull/>
   </p:transition>
 </p:sld>
 </file>
@@ -5098,8 +5155,8 @@
   <p:clrMapOvr>
     <a:masterClrMapping/>
   </p:clrMapOvr>
-  <p:transition spd="slow">
-    <p:cover/>
+  <p:transition spd="med">
+    <p:pull/>
   </p:transition>
 </p:sld>
 </file>
@@ -5176,8 +5233,8 @@
   <p:clrMapOvr>
     <a:masterClrMapping/>
   </p:clrMapOvr>
-  <p:transition spd="slow">
-    <p:cover/>
+  <p:transition spd="med">
+    <p:pull/>
   </p:transition>
 </p:sld>
 </file>
@@ -5254,8 +5311,8 @@
   <p:clrMapOvr>
     <a:masterClrMapping/>
   </p:clrMapOvr>
-  <p:transition spd="slow">
-    <p:cover/>
+  <p:transition spd="med">
+    <p:pull/>
   </p:transition>
 </p:sld>
 </file>
@@ -5331,8 +5388,8 @@
   <p:clrMapOvr>
     <a:masterClrMapping/>
   </p:clrMapOvr>
-  <p:transition spd="slow">
-    <p:cover/>
+  <p:transition spd="med">
+    <p:pull/>
   </p:transition>
 </p:sld>
 </file>
@@ -5559,8 +5616,8 @@
   <p:clrMapOvr>
     <a:masterClrMapping/>
   </p:clrMapOvr>
-  <p:transition spd="slow">
-    <p:cover/>
+  <p:transition spd="med">
+    <p:pull/>
   </p:transition>
 </p:sld>
 </file>
@@ -5788,6 +5845,9 @@
   <p:clrMapOvr>
     <a:masterClrMapping/>
   </p:clrMapOvr>
+  <p:transition spd="med">
+    <p:pull/>
+  </p:transition>
 </p:sld>
 </file>
 
@@ -5863,6 +5923,9 @@
   <p:clrMapOvr>
     <a:masterClrMapping/>
   </p:clrMapOvr>
+  <p:transition spd="med">
+    <p:pull/>
+  </p:transition>
 </p:sld>
 </file>
 
@@ -6108,6 +6171,9 @@
   <p:clrMapOvr>
     <a:masterClrMapping/>
   </p:clrMapOvr>
+  <p:transition spd="med">
+    <p:pull/>
+  </p:transition>
 </p:sld>
 </file>
 
@@ -6207,6 +6273,9 @@
   <p:clrMapOvr>
     <a:masterClrMapping/>
   </p:clrMapOvr>
+  <p:transition spd="med">
+    <p:pull/>
+  </p:transition>
 </p:sld>
 </file>
 
@@ -6289,6 +6358,9 @@
   <p:clrMapOvr>
     <a:masterClrMapping/>
   </p:clrMapOvr>
+  <p:transition spd="med">
+    <p:pull/>
+  </p:transition>
 </p:sld>
 </file>
 
@@ -6475,7 +6547,10 @@
           <a:bodyPr/>
           <a:lstStyle/>
           <a:p>
-            <a:endParaRPr lang="fr-FR"/>
+            <a:r>
+              <a:rPr lang="fr-FR" dirty="0"/>
+              <a:t>Difficultés rencontrées : Application Java</a:t>
+            </a:r>
           </a:p>
         </p:txBody>
       </p:sp>
@@ -6494,7 +6569,16 @@
           <a:bodyPr/>
           <a:lstStyle/>
           <a:p>
-            <a:endParaRPr lang="fr-FR"/>
+            <a:r>
+              <a:rPr lang="fr-FR" dirty="0"/>
+              <a:t>Reprendre des notions tel que la JDBC, très peu pratiquée, ou l’IHM</a:t>
+            </a:r>
+          </a:p>
+          <a:p>
+            <a:r>
+              <a:rPr lang="fr-FR" dirty="0"/>
+              <a:t>Apprendre à gérer certain format en Java, tel que les dates</a:t>
+            </a:r>
           </a:p>
         </p:txBody>
       </p:sp>
@@ -6508,6 +6592,9 @@
   <p:clrMapOvr>
     <a:masterClrMapping/>
   </p:clrMapOvr>
+  <p:transition spd="med">
+    <p:pull/>
+  </p:transition>
 </p:sld>
 </file>
 
@@ -6545,7 +6632,7 @@
           <a:p>
             <a:r>
               <a:rPr lang="fr-FR" dirty="0"/>
-              <a:t>Sommaire</a:t>
+              <a:t>Difficultés rencontrées : Application Web</a:t>
             </a:r>
           </a:p>
         </p:txBody>
@@ -6562,86 +6649,12 @@
         </p:nvSpPr>
         <p:spPr/>
         <p:txBody>
-          <a:bodyPr>
-            <a:normAutofit/>
-          </a:bodyPr>
-          <a:lstStyle/>
-          <a:p>
-            <a:r>
-              <a:rPr lang="fr-FR" dirty="0">
-                <a:solidFill>
-                  <a:schemeClr val="bg2">
-                    <a:lumMod val="50000"/>
-                  </a:schemeClr>
-                </a:solidFill>
-              </a:rPr>
-              <a:t>Planning et écarts</a:t>
-            </a:r>
-          </a:p>
-          <a:p>
-            <a:r>
-              <a:rPr lang="fr-FR" dirty="0">
-                <a:solidFill>
-                  <a:schemeClr val="bg2">
-                    <a:lumMod val="50000"/>
-                  </a:schemeClr>
-                </a:solidFill>
-              </a:rPr>
-              <a:t>Maquettes et écarts</a:t>
-            </a:r>
-          </a:p>
-          <a:p>
-            <a:r>
-              <a:rPr lang="fr-FR" dirty="0">
-                <a:solidFill>
-                  <a:schemeClr val="bg2">
-                    <a:lumMod val="50000"/>
-                  </a:schemeClr>
-                </a:solidFill>
-              </a:rPr>
-              <a:t>Démonstration</a:t>
-            </a:r>
-          </a:p>
-          <a:p>
-            <a:r>
-              <a:rPr lang="fr-FR" dirty="0">
-                <a:solidFill>
-                  <a:schemeClr val="bg2">
-                    <a:lumMod val="50000"/>
-                  </a:schemeClr>
-                </a:solidFill>
-              </a:rPr>
-              <a:t>Organisation des packages</a:t>
-            </a:r>
-          </a:p>
-          <a:p>
-            <a:r>
-              <a:rPr lang="fr-FR" dirty="0">
-                <a:solidFill>
-                  <a:schemeClr val="bg2">
-                    <a:lumMod val="50000"/>
-                  </a:schemeClr>
-                </a:solidFill>
-              </a:rPr>
-              <a:t>Codage et mesures de test</a:t>
-            </a:r>
-          </a:p>
-          <a:p>
-            <a:r>
-              <a:rPr lang="fr-FR" dirty="0">
-                <a:solidFill>
-                  <a:schemeClr val="bg2">
-                    <a:lumMod val="50000"/>
-                  </a:schemeClr>
-                </a:solidFill>
-              </a:rPr>
-              <a:t>Difficultés rencontrées</a:t>
-            </a:r>
-          </a:p>
+          <a:bodyPr/>
+          <a:lstStyle/>
           <a:p>
             <a:r>
               <a:rPr lang="fr-FR" dirty="0"/>
-              <a:t>Amélioration possibles</a:t>
+              <a:t>A REMPLIR !!!!!!!!!!!!!!!!!!!!!!!</a:t>
             </a:r>
           </a:p>
         </p:txBody>
@@ -6649,15 +6662,15 @@
     </p:spTree>
     <p:extLst>
       <p:ext uri="{BB962C8B-B14F-4D97-AF65-F5344CB8AC3E}">
-        <p14:creationId xmlns:p14="http://schemas.microsoft.com/office/powerpoint/2010/main" val="2830357431"/>
+        <p14:creationId xmlns:p14="http://schemas.microsoft.com/office/powerpoint/2010/main" val="378070671"/>
       </p:ext>
     </p:extLst>
   </p:cSld>
   <p:clrMapOvr>
     <a:masterClrMapping/>
   </p:clrMapOvr>
-  <p:transition spd="slow">
-    <p:cover/>
+  <p:transition spd="med">
+    <p:pull/>
   </p:transition>
 </p:sld>
 </file>
@@ -6733,8 +6746,8 @@
   <p:clrMapOvr>
     <a:masterClrMapping/>
   </p:clrMapOvr>
-  <p:transition spd="slow">
-    <p:cover/>
+  <p:transition spd="med">
+    <p:pull/>
   </p:transition>
 </p:sld>
 </file>
@@ -6771,7 +6784,10 @@
           <a:bodyPr/>
           <a:lstStyle/>
           <a:p>
-            <a:endParaRPr lang="fr-FR"/>
+            <a:r>
+              <a:rPr lang="fr-FR" dirty="0"/>
+              <a:t>Sommaire</a:t>
+            </a:r>
           </a:p>
         </p:txBody>
       </p:sp>
@@ -6787,23 +6803,103 @@
         </p:nvSpPr>
         <p:spPr/>
         <p:txBody>
-          <a:bodyPr/>
-          <a:lstStyle/>
-          <a:p>
-            <a:endParaRPr lang="fr-FR"/>
+          <a:bodyPr>
+            <a:normAutofit/>
+          </a:bodyPr>
+          <a:lstStyle/>
+          <a:p>
+            <a:r>
+              <a:rPr lang="fr-FR" dirty="0">
+                <a:solidFill>
+                  <a:schemeClr val="bg2">
+                    <a:lumMod val="50000"/>
+                  </a:schemeClr>
+                </a:solidFill>
+              </a:rPr>
+              <a:t>Planning et écarts</a:t>
+            </a:r>
+          </a:p>
+          <a:p>
+            <a:r>
+              <a:rPr lang="fr-FR" dirty="0">
+                <a:solidFill>
+                  <a:schemeClr val="bg2">
+                    <a:lumMod val="50000"/>
+                  </a:schemeClr>
+                </a:solidFill>
+              </a:rPr>
+              <a:t>Maquettes et écarts</a:t>
+            </a:r>
+          </a:p>
+          <a:p>
+            <a:r>
+              <a:rPr lang="fr-FR" dirty="0">
+                <a:solidFill>
+                  <a:schemeClr val="bg2">
+                    <a:lumMod val="50000"/>
+                  </a:schemeClr>
+                </a:solidFill>
+              </a:rPr>
+              <a:t>Démonstration</a:t>
+            </a:r>
+          </a:p>
+          <a:p>
+            <a:r>
+              <a:rPr lang="fr-FR" dirty="0">
+                <a:solidFill>
+                  <a:schemeClr val="bg2">
+                    <a:lumMod val="50000"/>
+                  </a:schemeClr>
+                </a:solidFill>
+              </a:rPr>
+              <a:t>Organisation des packages</a:t>
+            </a:r>
+          </a:p>
+          <a:p>
+            <a:r>
+              <a:rPr lang="fr-FR" dirty="0">
+                <a:solidFill>
+                  <a:schemeClr val="bg2">
+                    <a:lumMod val="50000"/>
+                  </a:schemeClr>
+                </a:solidFill>
+              </a:rPr>
+              <a:t>Codage et mesures de test</a:t>
+            </a:r>
+          </a:p>
+          <a:p>
+            <a:r>
+              <a:rPr lang="fr-FR" dirty="0">
+                <a:solidFill>
+                  <a:schemeClr val="bg2">
+                    <a:lumMod val="50000"/>
+                  </a:schemeClr>
+                </a:solidFill>
+              </a:rPr>
+              <a:t>Difficultés rencontrées</a:t>
+            </a:r>
+          </a:p>
+          <a:p>
+            <a:r>
+              <a:rPr lang="fr-FR" dirty="0"/>
+              <a:t>Amélioration possibles</a:t>
+            </a:r>
           </a:p>
         </p:txBody>
       </p:sp>
     </p:spTree>
     <p:extLst>
       <p:ext uri="{BB962C8B-B14F-4D97-AF65-F5344CB8AC3E}">
-        <p14:creationId xmlns:p14="http://schemas.microsoft.com/office/powerpoint/2010/main" val="2426009581"/>
+        <p14:creationId xmlns:p14="http://schemas.microsoft.com/office/powerpoint/2010/main" val="2830357431"/>
       </p:ext>
     </p:extLst>
   </p:cSld>
   <p:clrMapOvr>
     <a:masterClrMapping/>
   </p:clrMapOvr>
+  <p:transition spd="slow">
+    <p:cover/>
+  </p:transition>
 </p:sld>
 </file>
 
@@ -6831,6 +6927,175 @@
             <a:spLocks noGrp="1"/>
           </p:cNvSpPr>
           <p:nvPr>
+            <p:ph type="title"/>
+          </p:nvPr>
+        </p:nvSpPr>
+        <p:spPr/>
+        <p:txBody>
+          <a:bodyPr/>
+          <a:lstStyle/>
+          <a:p>
+            <a:r>
+              <a:rPr lang="fr-FR" dirty="0"/>
+              <a:t>Améliorations possibles : Application Java</a:t>
+            </a:r>
+          </a:p>
+        </p:txBody>
+      </p:sp>
+      <p:sp>
+        <p:nvSpPr>
+          <p:cNvPr id="3" name="Espace réservé du contenu 2"/>
+          <p:cNvSpPr>
+            <a:spLocks noGrp="1"/>
+          </p:cNvSpPr>
+          <p:nvPr>
+            <p:ph idx="1"/>
+          </p:nvPr>
+        </p:nvSpPr>
+        <p:spPr/>
+        <p:txBody>
+          <a:bodyPr/>
+          <a:lstStyle/>
+          <a:p>
+            <a:r>
+              <a:rPr lang="fr-FR" dirty="0"/>
+              <a:t>Prendre en compte la durée des films</a:t>
+            </a:r>
+          </a:p>
+          <a:p>
+            <a:r>
+              <a:rPr lang="fr-FR" dirty="0"/>
+              <a:t>Prendre en compte les guillemets dans la base de donnée</a:t>
+            </a:r>
+          </a:p>
+          <a:p>
+            <a:r>
+              <a:rPr lang="fr-FR" dirty="0"/>
+              <a:t>Ajouter une gestion de comptes utilisateur</a:t>
+            </a:r>
+          </a:p>
+          <a:p>
+            <a:r>
+              <a:rPr lang="fr-FR" dirty="0"/>
+              <a:t>Améliorer le design de l’application</a:t>
+            </a:r>
+          </a:p>
+        </p:txBody>
+      </p:sp>
+    </p:spTree>
+    <p:extLst>
+      <p:ext uri="{BB962C8B-B14F-4D97-AF65-F5344CB8AC3E}">
+        <p14:creationId xmlns:p14="http://schemas.microsoft.com/office/powerpoint/2010/main" val="2426009581"/>
+      </p:ext>
+    </p:extLst>
+  </p:cSld>
+  <p:clrMapOvr>
+    <a:masterClrMapping/>
+  </p:clrMapOvr>
+  <p:transition spd="med">
+    <p:pull/>
+  </p:transition>
+</p:sld>
+</file>
+
+<file path=ppt/slides/slide42.xml><?xml version="1.0" encoding="utf-8"?>
+<p:sld xmlns:a="http://schemas.openxmlformats.org/drawingml/2006/main" xmlns:r="http://schemas.openxmlformats.org/officeDocument/2006/relationships" xmlns:p="http://schemas.openxmlformats.org/presentationml/2006/main">
+  <p:cSld>
+    <p:spTree>
+      <p:nvGrpSpPr>
+        <p:cNvPr id="1" name=""/>
+        <p:cNvGrpSpPr/>
+        <p:nvPr/>
+      </p:nvGrpSpPr>
+      <p:grpSpPr>
+        <a:xfrm>
+          <a:off x="0" y="0"/>
+          <a:ext cx="0" cy="0"/>
+          <a:chOff x="0" y="0"/>
+          <a:chExt cx="0" cy="0"/>
+        </a:xfrm>
+      </p:grpSpPr>
+      <p:sp>
+        <p:nvSpPr>
+          <p:cNvPr id="2" name="Titre 1"/>
+          <p:cNvSpPr>
+            <a:spLocks noGrp="1"/>
+          </p:cNvSpPr>
+          <p:nvPr>
+            <p:ph type="title"/>
+          </p:nvPr>
+        </p:nvSpPr>
+        <p:spPr/>
+        <p:txBody>
+          <a:bodyPr/>
+          <a:lstStyle/>
+          <a:p>
+            <a:r>
+              <a:rPr lang="fr-FR" dirty="0"/>
+              <a:t>Améliorations possibles : Application Web</a:t>
+            </a:r>
+          </a:p>
+        </p:txBody>
+      </p:sp>
+      <p:sp>
+        <p:nvSpPr>
+          <p:cNvPr id="3" name="Espace réservé du contenu 2"/>
+          <p:cNvSpPr>
+            <a:spLocks noGrp="1"/>
+          </p:cNvSpPr>
+          <p:nvPr>
+            <p:ph idx="1"/>
+          </p:nvPr>
+        </p:nvSpPr>
+        <p:spPr/>
+        <p:txBody>
+          <a:bodyPr/>
+          <a:lstStyle/>
+          <a:p>
+            <a:endParaRPr lang="fr-FR" dirty="0"/>
+          </a:p>
+        </p:txBody>
+      </p:sp>
+    </p:spTree>
+    <p:extLst>
+      <p:ext uri="{BB962C8B-B14F-4D97-AF65-F5344CB8AC3E}">
+        <p14:creationId xmlns:p14="http://schemas.microsoft.com/office/powerpoint/2010/main" val="1215231058"/>
+      </p:ext>
+    </p:extLst>
+  </p:cSld>
+  <p:clrMapOvr>
+    <a:masterClrMapping/>
+  </p:clrMapOvr>
+  <p:transition spd="med">
+    <p:pull/>
+  </p:transition>
+</p:sld>
+</file>
+
+<file path=ppt/slides/slide43.xml><?xml version="1.0" encoding="utf-8"?>
+<p:sld xmlns:a="http://schemas.openxmlformats.org/drawingml/2006/main" xmlns:r="http://schemas.openxmlformats.org/officeDocument/2006/relationships" xmlns:p="http://schemas.openxmlformats.org/presentationml/2006/main">
+  <p:cSld>
+    <p:spTree>
+      <p:nvGrpSpPr>
+        <p:cNvPr id="1" name=""/>
+        <p:cNvGrpSpPr/>
+        <p:nvPr/>
+      </p:nvGrpSpPr>
+      <p:grpSpPr>
+        <a:xfrm>
+          <a:off x="0" y="0"/>
+          <a:ext cx="0" cy="0"/>
+          <a:chOff x="0" y="0"/>
+          <a:chExt cx="0" cy="0"/>
+        </a:xfrm>
+      </p:grpSpPr>
+      <p:sp>
+        <p:nvSpPr>
+          <p:cNvPr id="2" name="Titre 1"/>
+          <p:cNvSpPr>
+            <a:spLocks noGrp="1"/>
+          </p:cNvSpPr>
+          <p:nvPr>
             <p:ph type="ctrTitle"/>
           </p:nvPr>
         </p:nvSpPr>
@@ -6857,6 +7122,9 @@
   <p:clrMapOvr>
     <a:masterClrMapping/>
   </p:clrMapOvr>
+  <p:transition spd="slow">
+    <p:push dir="u"/>
+  </p:transition>
 </p:sld>
 </file>
 
@@ -7083,8 +7351,8 @@
   <p:clrMapOvr>
     <a:masterClrMapping/>
   </p:clrMapOvr>
-  <p:transition spd="slow">
-    <p:cover/>
+  <p:transition spd="med">
+    <p:pull/>
   </p:transition>
 </p:sld>
 </file>
@@ -7161,8 +7429,8 @@
   <p:clrMapOvr>
     <a:masterClrMapping/>
   </p:clrMapOvr>
-  <p:transition spd="slow">
-    <p:cover/>
+  <p:transition spd="med">
+    <p:pull/>
   </p:transition>
 </p:sld>
 </file>
@@ -7239,8 +7507,8 @@
   <p:clrMapOvr>
     <a:masterClrMapping/>
   </p:clrMapOvr>
-  <p:transition spd="slow">
-    <p:cover/>
+  <p:transition spd="med">
+    <p:pull/>
   </p:transition>
 </p:sld>
 </file>
@@ -7317,8 +7585,8 @@
   <p:clrMapOvr>
     <a:masterClrMapping/>
   </p:clrMapOvr>
-  <p:transition spd="slow">
-    <p:cover/>
+  <p:transition spd="med">
+    <p:pull/>
   </p:transition>
 </p:sld>
 </file>

--- a/documents/Présentation.pptx
+++ b/documents/Présentation.pptx
@@ -293,7 +293,7 @@
           <a:p>
             <a:fld id="{48A87A34-81AB-432B-8DAE-1953F412C126}" type="datetimeFigureOut">
               <a:rPr lang="en-US" dirty="0"/>
-              <a:t>1/11/2017</a:t>
+              <a:t>1/16/2017</a:t>
             </a:fld>
             <a:endParaRPr lang="en-US" dirty="0"/>
           </a:p>
@@ -345,7 +345,7 @@
           <a:p>
             <a:fld id="{6D22F896-40B5-4ADD-8801-0D06FADFA095}" type="slidenum">
               <a:rPr lang="en-US" dirty="0"/>
-              <a:t>‹N°›</a:t>
+              <a:t>‹#›</a:t>
             </a:fld>
             <a:endParaRPr lang="en-US" dirty="0"/>
           </a:p>
@@ -499,7 +499,7 @@
           <a:p>
             <a:fld id="{48A87A34-81AB-432B-8DAE-1953F412C126}" type="datetimeFigureOut">
               <a:rPr lang="en-US" dirty="0"/>
-              <a:t>1/11/2017</a:t>
+              <a:t>1/16/2017</a:t>
             </a:fld>
             <a:endParaRPr lang="en-US" dirty="0"/>
           </a:p>
@@ -541,7 +541,7 @@
           <a:p>
             <a:fld id="{6D22F896-40B5-4ADD-8801-0D06FADFA095}" type="slidenum">
               <a:rPr lang="en-US" dirty="0"/>
-              <a:t>‹N°›</a:t>
+              <a:t>‹#›</a:t>
             </a:fld>
             <a:endParaRPr lang="en-US" dirty="0"/>
           </a:p>
@@ -709,7 +709,7 @@
           <a:p>
             <a:fld id="{48A87A34-81AB-432B-8DAE-1953F412C126}" type="datetimeFigureOut">
               <a:rPr lang="en-US" dirty="0"/>
-              <a:t>1/11/2017</a:t>
+              <a:t>1/16/2017</a:t>
             </a:fld>
             <a:endParaRPr lang="en-US" dirty="0"/>
           </a:p>
@@ -751,7 +751,7 @@
           <a:p>
             <a:fld id="{6D22F896-40B5-4ADD-8801-0D06FADFA095}" type="slidenum">
               <a:rPr lang="en-US" dirty="0"/>
-              <a:t>‹N°›</a:t>
+              <a:t>‹#›</a:t>
             </a:fld>
             <a:endParaRPr lang="en-US" dirty="0"/>
           </a:p>
@@ -905,7 +905,7 @@
           <a:p>
             <a:fld id="{48A87A34-81AB-432B-8DAE-1953F412C126}" type="datetimeFigureOut">
               <a:rPr lang="en-US" dirty="0"/>
-              <a:t>1/11/2017</a:t>
+              <a:t>1/16/2017</a:t>
             </a:fld>
             <a:endParaRPr lang="en-US" dirty="0"/>
           </a:p>
@@ -947,7 +947,7 @@
           <a:p>
             <a:fld id="{6D22F896-40B5-4ADD-8801-0D06FADFA095}" type="slidenum">
               <a:rPr lang="en-US" dirty="0"/>
-              <a:t>‹N°›</a:t>
+              <a:t>‹#›</a:t>
             </a:fld>
             <a:endParaRPr lang="en-US" dirty="0"/>
           </a:p>
@@ -1179,7 +1179,7 @@
           <a:p>
             <a:fld id="{48A87A34-81AB-432B-8DAE-1953F412C126}" type="datetimeFigureOut">
               <a:rPr lang="en-US" dirty="0"/>
-              <a:t>1/11/2017</a:t>
+              <a:t>1/16/2017</a:t>
             </a:fld>
             <a:endParaRPr lang="en-US" dirty="0"/>
           </a:p>
@@ -1221,7 +1221,7 @@
           <a:p>
             <a:fld id="{6D22F896-40B5-4ADD-8801-0D06FADFA095}" type="slidenum">
               <a:rPr lang="en-US" dirty="0"/>
-              <a:t>‹N°›</a:t>
+              <a:t>‹#›</a:t>
             </a:fld>
             <a:endParaRPr lang="en-US" dirty="0"/>
           </a:p>
@@ -1442,7 +1442,7 @@
           <a:p>
             <a:fld id="{48A87A34-81AB-432B-8DAE-1953F412C126}" type="datetimeFigureOut">
               <a:rPr lang="en-US" dirty="0"/>
-              <a:t>1/11/2017</a:t>
+              <a:t>1/16/2017</a:t>
             </a:fld>
             <a:endParaRPr lang="en-US" dirty="0"/>
           </a:p>
@@ -1484,7 +1484,7 @@
           <a:p>
             <a:fld id="{6D22F896-40B5-4ADD-8801-0D06FADFA095}" type="slidenum">
               <a:rPr lang="en-US" dirty="0"/>
-              <a:t>‹N°›</a:t>
+              <a:t>‹#›</a:t>
             </a:fld>
             <a:endParaRPr lang="en-US" dirty="0"/>
           </a:p>
@@ -1853,7 +1853,7 @@
           <a:p>
             <a:fld id="{48A87A34-81AB-432B-8DAE-1953F412C126}" type="datetimeFigureOut">
               <a:rPr lang="en-US" dirty="0"/>
-              <a:t>1/11/2017</a:t>
+              <a:t>1/16/2017</a:t>
             </a:fld>
             <a:endParaRPr lang="en-US" dirty="0"/>
           </a:p>
@@ -1895,7 +1895,7 @@
           <a:p>
             <a:fld id="{6D22F896-40B5-4ADD-8801-0D06FADFA095}" type="slidenum">
               <a:rPr lang="en-US" dirty="0"/>
-              <a:t>‹N°›</a:t>
+              <a:t>‹#›</a:t>
             </a:fld>
             <a:endParaRPr lang="en-US" dirty="0"/>
           </a:p>
@@ -1997,7 +1997,7 @@
           <a:p>
             <a:fld id="{48A87A34-81AB-432B-8DAE-1953F412C126}" type="datetimeFigureOut">
               <a:rPr lang="en-US" dirty="0"/>
-              <a:t>1/11/2017</a:t>
+              <a:t>1/16/2017</a:t>
             </a:fld>
             <a:endParaRPr lang="en-US" dirty="0"/>
           </a:p>
@@ -2039,7 +2039,7 @@
           <a:p>
             <a:fld id="{6D22F896-40B5-4ADD-8801-0D06FADFA095}" type="slidenum">
               <a:rPr lang="en-US" dirty="0"/>
-              <a:t>‹N°›</a:t>
+              <a:t>‹#›</a:t>
             </a:fld>
             <a:endParaRPr lang="en-US" dirty="0"/>
           </a:p>
@@ -2118,7 +2118,7 @@
           <a:p>
             <a:fld id="{48A87A34-81AB-432B-8DAE-1953F412C126}" type="datetimeFigureOut">
               <a:rPr lang="en-US" dirty="0"/>
-              <a:t>1/11/2017</a:t>
+              <a:t>1/16/2017</a:t>
             </a:fld>
             <a:endParaRPr lang="en-US" dirty="0"/>
           </a:p>
@@ -2160,7 +2160,7 @@
           <a:p>
             <a:fld id="{6D22F896-40B5-4ADD-8801-0D06FADFA095}" type="slidenum">
               <a:rPr lang="en-US" dirty="0"/>
-              <a:t>‹N°›</a:t>
+              <a:t>‹#›</a:t>
             </a:fld>
             <a:endParaRPr lang="en-US" dirty="0"/>
           </a:p>
@@ -2364,7 +2364,7 @@
           <a:p>
             <a:fld id="{48A87A34-81AB-432B-8DAE-1953F412C126}" type="datetimeFigureOut">
               <a:rPr lang="en-US" dirty="0"/>
-              <a:t>1/11/2017</a:t>
+              <a:t>1/16/2017</a:t>
             </a:fld>
             <a:endParaRPr lang="en-US" dirty="0"/>
           </a:p>
@@ -2406,7 +2406,7 @@
           <a:p>
             <a:fld id="{6D22F896-40B5-4ADD-8801-0D06FADFA095}" type="slidenum">
               <a:rPr lang="en-US" dirty="0"/>
-              <a:t>‹N°›</a:t>
+              <a:t>‹#›</a:t>
             </a:fld>
             <a:endParaRPr lang="en-US" dirty="0"/>
           </a:p>
@@ -2805,7 +2805,7 @@
             <a:fld id="{48A87A34-81AB-432B-8DAE-1953F412C126}" type="datetimeFigureOut">
               <a:rPr lang="en-US" dirty="0"/>
               <a:pPr/>
-              <a:t>1/11/2017</a:t>
+              <a:t>1/16/2017</a:t>
             </a:fld>
             <a:endParaRPr lang="en-US" dirty="0"/>
           </a:p>
@@ -2852,7 +2852,7 @@
           <a:p>
             <a:fld id="{6D22F896-40B5-4ADD-8801-0D06FADFA095}" type="slidenum">
               <a:rPr lang="en-US" dirty="0"/>
-              <a:t>‹N°›</a:t>
+              <a:t>‹#›</a:t>
             </a:fld>
             <a:endParaRPr lang="en-US" dirty="0"/>
           </a:p>
@@ -3127,7 +3127,7 @@
             <a:fld id="{48A87A34-81AB-432B-8DAE-1953F412C126}" type="datetimeFigureOut">
               <a:rPr lang="en-US" dirty="0"/>
               <a:pPr/>
-              <a:t>1/11/2017</a:t>
+              <a:t>1/16/2017</a:t>
             </a:fld>
             <a:endParaRPr lang="en-US" dirty="0"/>
           </a:p>
@@ -3204,7 +3204,7 @@
             <a:fld id="{6D22F896-40B5-4ADD-8801-0D06FADFA095}" type="slidenum">
               <a:rPr lang="en-US" dirty="0"/>
               <a:pPr/>
-              <a:t>‹N°›</a:t>
+              <a:t>‹#›</a:t>
             </a:fld>
             <a:endParaRPr lang="en-US" dirty="0"/>
           </a:p>
@@ -6577,8 +6577,23 @@
           <a:p>
             <a:r>
               <a:rPr lang="fr-FR" dirty="0"/>
-              <a:t>Apprendre à gérer certain format en Java, tel que les dates</a:t>
-            </a:r>
+              <a:t>Apprendre à gérer certain format en Java, tel que les </a:t>
+            </a:r>
+            <a:r>
+              <a:rPr lang="fr-FR" dirty="0" smtClean="0"/>
+              <a:t>dates</a:t>
+            </a:r>
+          </a:p>
+          <a:p>
+            <a:r>
+              <a:rPr lang="fr-FR" dirty="0" smtClean="0"/>
+              <a:t>Apprendre à utiliser des classes abstraites avec une </a:t>
+            </a:r>
+            <a:r>
+              <a:rPr lang="fr-FR" dirty="0" err="1" smtClean="0"/>
+              <a:t>ApplicationFrame</a:t>
+            </a:r>
+            <a:endParaRPr lang="fr-FR" dirty="0"/>
           </a:p>
         </p:txBody>
       </p:sp>
